--- a/ECE808 Exercise 2023.pptx
+++ b/ECE808 Exercise 2023.pptx
@@ -217,7 +217,7 @@
   <pc:docChgLst>
     <pc:chgData name="Demetris Eliades" userId="4d50a87f-0d44-41be-81bd-91d2396a3970" providerId="ADAL" clId="{8F8EB4D1-B11F-4769-B139-DCA7AA20C28B}"/>
     <pc:docChg chg="undo custSel addSld delSld modSld sldOrd">
-      <pc:chgData name="Demetris Eliades" userId="4d50a87f-0d44-41be-81bd-91d2396a3970" providerId="ADAL" clId="{8F8EB4D1-B11F-4769-B139-DCA7AA20C28B}" dt="2023-05-07T18:24:19.949" v="4709" actId="20577"/>
+      <pc:chgData name="Demetris Eliades" userId="4d50a87f-0d44-41be-81bd-91d2396a3970" providerId="ADAL" clId="{8F8EB4D1-B11F-4769-B139-DCA7AA20C28B}" dt="2023-05-09T15:58:36.275" v="4752" actId="20577"/>
       <pc:docMkLst>
         <pc:docMk/>
       </pc:docMkLst>
@@ -374,7 +374,7 @@
         </pc:spChg>
       </pc:sldChg>
       <pc:sldChg chg="modSp new mod">
-        <pc:chgData name="Demetris Eliades" userId="4d50a87f-0d44-41be-81bd-91d2396a3970" providerId="ADAL" clId="{8F8EB4D1-B11F-4769-B139-DCA7AA20C28B}" dt="2023-05-07T16:36:41.955" v="2284" actId="20577"/>
+        <pc:chgData name="Demetris Eliades" userId="4d50a87f-0d44-41be-81bd-91d2396a3970" providerId="ADAL" clId="{8F8EB4D1-B11F-4769-B139-DCA7AA20C28B}" dt="2023-05-09T15:52:19.374" v="4743" actId="20577"/>
         <pc:sldMkLst>
           <pc:docMk/>
           <pc:sldMk cId="2242574425" sldId="547"/>
@@ -388,7 +388,7 @@
           </ac:spMkLst>
         </pc:spChg>
         <pc:spChg chg="mod">
-          <ac:chgData name="Demetris Eliades" userId="4d50a87f-0d44-41be-81bd-91d2396a3970" providerId="ADAL" clId="{8F8EB4D1-B11F-4769-B139-DCA7AA20C28B}" dt="2023-05-07T16:36:41.955" v="2284" actId="20577"/>
+          <ac:chgData name="Demetris Eliades" userId="4d50a87f-0d44-41be-81bd-91d2396a3970" providerId="ADAL" clId="{8F8EB4D1-B11F-4769-B139-DCA7AA20C28B}" dt="2023-05-09T15:52:19.374" v="4743" actId="20577"/>
           <ac:spMkLst>
             <pc:docMk/>
             <pc:sldMk cId="2242574425" sldId="547"/>
@@ -443,7 +443,7 @@
         </pc:spChg>
       </pc:sldChg>
       <pc:sldChg chg="modSp new mod">
-        <pc:chgData name="Demetris Eliades" userId="4d50a87f-0d44-41be-81bd-91d2396a3970" providerId="ADAL" clId="{8F8EB4D1-B11F-4769-B139-DCA7AA20C28B}" dt="2023-05-07T18:00:14.250" v="4261" actId="20577"/>
+        <pc:chgData name="Demetris Eliades" userId="4d50a87f-0d44-41be-81bd-91d2396a3970" providerId="ADAL" clId="{8F8EB4D1-B11F-4769-B139-DCA7AA20C28B}" dt="2023-05-09T15:58:36.275" v="4752" actId="20577"/>
         <pc:sldMkLst>
           <pc:docMk/>
           <pc:sldMk cId="3236240821" sldId="550"/>
@@ -457,7 +457,7 @@
           </ac:spMkLst>
         </pc:spChg>
         <pc:spChg chg="mod">
-          <ac:chgData name="Demetris Eliades" userId="4d50a87f-0d44-41be-81bd-91d2396a3970" providerId="ADAL" clId="{8F8EB4D1-B11F-4769-B139-DCA7AA20C28B}" dt="2023-05-07T18:00:14.250" v="4261" actId="20577"/>
+          <ac:chgData name="Demetris Eliades" userId="4d50a87f-0d44-41be-81bd-91d2396a3970" providerId="ADAL" clId="{8F8EB4D1-B11F-4769-B139-DCA7AA20C28B}" dt="2023-05-09T15:58:36.275" v="4752" actId="20577"/>
           <ac:spMkLst>
             <pc:docMk/>
             <pc:sldMk cId="3236240821" sldId="550"/>
@@ -9730,7 +9730,7 @@
           <a:p>
             <a:r>
               <a:rPr lang="en-US" dirty="0"/>
-              <a:t>Plot the sum of the inflow from the two water sources (reservoirs)</a:t>
+              <a:t>Plot the sum of the inflow from the two water sources (reservoirs), remove the tank inflow</a:t>
             </a:r>
           </a:p>
           <a:p>
@@ -9938,7 +9938,15 @@
           <a:p>
             <a:r>
               <a:rPr lang="en-US" dirty="0"/>
-              <a:t>Simulate 3 different leakage events at nodes ‘n145’, ‘n342’, ‘n286’ starting at 08:00 on Day 3, with a sufficiently large leakage coefficient, and show in plots when/how the event can be first detected. (Be careful not to calculate negative pressures!)</a:t>
+              <a:t>Simulate </a:t>
+            </a:r>
+            <a:r>
+              <a:rPr lang="en-US"/>
+              <a:t>at least 3 </a:t>
+            </a:r>
+            <a:r>
+              <a:rPr lang="en-US" dirty="0"/>
+              <a:t>different leakage events at nodes ‘n145’, ‘n342’, ‘n286’ starting at 08:00 on Day 3, with a sufficiently large leakage coefficient, and show in plots when/how the event can be first detected. (Be careful not to calculate negative pressures!)</a:t>
             </a:r>
           </a:p>
           <a:p>
@@ -12139,6 +12147,12 @@
 </file>
 
 <file path=customXml/item1.xml><?xml version="1.0" encoding="utf-8"?>
+<p:properties xmlns:p="http://schemas.microsoft.com/office/2006/metadata/properties" xmlns:xsi="http://www.w3.org/2001/XMLSchema-instance" xmlns:pc="http://schemas.microsoft.com/office/infopath/2007/PartnerControls">
+  <documentManagement/>
+</p:properties>
+</file>
+
+<file path=customXml/item2.xml><?xml version="1.0" encoding="utf-8"?>
 <ct:contentTypeSchema xmlns:ct="http://schemas.microsoft.com/office/2006/metadata/contentType" xmlns:ma="http://schemas.microsoft.com/office/2006/metadata/properties/metaAttributes" ct:_="" ma:_="" ma:contentTypeName="Document" ma:contentTypeID="0x010100CF7E8076696988419C5A5D11823ECB80" ma:contentTypeVersion="4" ma:contentTypeDescription="Create a new document." ma:contentTypeScope="" ma:versionID="ab683731e6790ffe061176dac016f2cb">
   <xsd:schema xmlns:xsd="http://www.w3.org/2001/XMLSchema" xmlns:xs="http://www.w3.org/2001/XMLSchema" xmlns:p="http://schemas.microsoft.com/office/2006/metadata/properties" xmlns:ns2="09e158a8-57eb-4f6d-9174-6212b78e8d4d" targetNamespace="http://schemas.microsoft.com/office/2006/metadata/properties" ma:root="true" ma:fieldsID="da09fc6d892753739e608867c403708f" ns2:_="">
     <xsd:import namespace="09e158a8-57eb-4f6d-9174-6212b78e8d4d"/>
@@ -12282,12 +12296,6 @@
 </ct:contentTypeSchema>
 </file>
 
-<file path=customXml/item2.xml><?xml version="1.0" encoding="utf-8"?>
-<p:properties xmlns:p="http://schemas.microsoft.com/office/2006/metadata/properties" xmlns:xsi="http://www.w3.org/2001/XMLSchema-instance" xmlns:pc="http://schemas.microsoft.com/office/infopath/2007/PartnerControls">
-  <documentManagement/>
-</p:properties>
-</file>
-
 <file path=customXml/item3.xml><?xml version="1.0" encoding="utf-8"?>
 <?mso-contentType ?>
 <FormTemplates xmlns="http://schemas.microsoft.com/sharepoint/v3/contenttype/forms">
@@ -12298,6 +12306,22 @@
 </file>
 
 <file path=customXml/itemProps1.xml><?xml version="1.0" encoding="utf-8"?>
+<ds:datastoreItem xmlns:ds="http://schemas.openxmlformats.org/officeDocument/2006/customXml" ds:itemID="{5DC31E1B-4D2A-4BE0-8D39-F4A0114CF6E3}">
+  <ds:schemaRefs>
+    <ds:schemaRef ds:uri="http://purl.org/dc/elements/1.1/"/>
+    <ds:schemaRef ds:uri="http://purl.org/dc/dcmitype/"/>
+    <ds:schemaRef ds:uri="http://www.w3.org/XML/1998/namespace"/>
+    <ds:schemaRef ds:uri="http://schemas.openxmlformats.org/package/2006/metadata/core-properties"/>
+    <ds:schemaRef ds:uri="http://schemas.microsoft.com/office/2006/documentManagement/types"/>
+    <ds:schemaRef ds:uri="http://purl.org/dc/terms/"/>
+    <ds:schemaRef ds:uri="http://schemas.microsoft.com/office/infopath/2007/PartnerControls"/>
+    <ds:schemaRef ds:uri="09e158a8-57eb-4f6d-9174-6212b78e8d4d"/>
+    <ds:schemaRef ds:uri="http://schemas.microsoft.com/office/2006/metadata/properties"/>
+  </ds:schemaRefs>
+</ds:datastoreItem>
+</file>
+
+<file path=customXml/itemProps2.xml><?xml version="1.0" encoding="utf-8"?>
 <ds:datastoreItem xmlns:ds="http://schemas.openxmlformats.org/officeDocument/2006/customXml" ds:itemID="{D59BCB59-ED37-4C9F-B65E-EB2FDAF40EB5}">
   <ds:schemaRefs>
     <ds:schemaRef ds:uri="http://schemas.microsoft.com/office/2006/metadata/contentType"/>
@@ -12315,22 +12339,6 @@
 </ds:datastoreItem>
 </file>
 
-<file path=customXml/itemProps2.xml><?xml version="1.0" encoding="utf-8"?>
-<ds:datastoreItem xmlns:ds="http://schemas.openxmlformats.org/officeDocument/2006/customXml" ds:itemID="{5DC31E1B-4D2A-4BE0-8D39-F4A0114CF6E3}">
-  <ds:schemaRefs>
-    <ds:schemaRef ds:uri="http://purl.org/dc/elements/1.1/"/>
-    <ds:schemaRef ds:uri="http://purl.org/dc/dcmitype/"/>
-    <ds:schemaRef ds:uri="http://www.w3.org/XML/1998/namespace"/>
-    <ds:schemaRef ds:uri="http://schemas.openxmlformats.org/package/2006/metadata/core-properties"/>
-    <ds:schemaRef ds:uri="http://schemas.microsoft.com/office/2006/documentManagement/types"/>
-    <ds:schemaRef ds:uri="http://purl.org/dc/terms/"/>
-    <ds:schemaRef ds:uri="http://schemas.microsoft.com/office/infopath/2007/PartnerControls"/>
-    <ds:schemaRef ds:uri="09e158a8-57eb-4f6d-9174-6212b78e8d4d"/>
-    <ds:schemaRef ds:uri="http://schemas.microsoft.com/office/2006/metadata/properties"/>
-  </ds:schemaRefs>
-</ds:datastoreItem>
-</file>
-
 <file path=customXml/itemProps3.xml><?xml version="1.0" encoding="utf-8"?>
 <ds:datastoreItem xmlns:ds="http://schemas.openxmlformats.org/officeDocument/2006/customXml" ds:itemID="{48EC24F3-054E-49F7-A7D9-46378282E909}">
   <ds:schemaRefs>
